--- a/KangMOD5FinalProject2020.pptx
+++ b/KangMOD5FinalProject2020.pptx
@@ -1223,7 +1223,7 @@
           <a:p>
             <a:fld id="{02283518-DD1D-4ECE-A5E0-BAA9D87B2317}" type="datetimeFigureOut">
               <a:rPr lang="zh-CN" altLang="en-US" smtClean="0"/>
-              <a:t>2020/10/11</a:t>
+              <a:t>2020/10/12</a:t>
             </a:fld>
             <a:endParaRPr lang="zh-CN" altLang="en-US"/>
           </a:p>
@@ -1490,6 +1490,807 @@
 </p:notesMaster>
 </file>
 
+<file path=ppt/notesSlides/notesSlide1.xml><?xml version="1.0" encoding="utf-8"?>
+<p:notes xmlns:a="http://schemas.openxmlformats.org/drawingml/2006/main" xmlns:r="http://schemas.openxmlformats.org/officeDocument/2006/relationships" xmlns:p="http://schemas.openxmlformats.org/presentationml/2006/main">
+  <p:cSld>
+    <p:spTree>
+      <p:nvGrpSpPr>
+        <p:cNvPr id="1" name=""/>
+        <p:cNvGrpSpPr/>
+        <p:nvPr/>
+      </p:nvGrpSpPr>
+      <p:grpSpPr>
+        <a:xfrm>
+          <a:off x="0" y="0"/>
+          <a:ext cx="0" cy="0"/>
+          <a:chOff x="0" y="0"/>
+          <a:chExt cx="0" cy="0"/>
+        </a:xfrm>
+      </p:grpSpPr>
+      <p:sp>
+        <p:nvSpPr>
+          <p:cNvPr id="2" name="Slide Image Placeholder 1"/>
+          <p:cNvSpPr>
+            <a:spLocks noGrp="1" noRot="1" noChangeAspect="1"/>
+          </p:cNvSpPr>
+          <p:nvPr>
+            <p:ph type="sldImg"/>
+          </p:nvPr>
+        </p:nvSpPr>
+        <p:spPr/>
+      </p:sp>
+      <p:sp>
+        <p:nvSpPr>
+          <p:cNvPr id="3" name="Notes Placeholder 2"/>
+          <p:cNvSpPr>
+            <a:spLocks noGrp="1"/>
+          </p:cNvSpPr>
+          <p:nvPr>
+            <p:ph type="body" idx="1"/>
+          </p:nvPr>
+        </p:nvSpPr>
+        <p:spPr/>
+        <p:txBody>
+          <a:bodyPr/>
+          <a:lstStyle/>
+          <a:p>
+            <a:r>
+              <a:rPr lang="en-US" dirty="0"/>
+              <a:t>Hi, I’m </a:t>
+            </a:r>
+            <a:r>
+              <a:rPr lang="en-US" dirty="0" err="1"/>
+              <a:t>Hyungjun</a:t>
+            </a:r>
+            <a:r>
+              <a:rPr lang="en-US" dirty="0"/>
+              <a:t> Kang and today, I’m going to over my Module 5 final project, IEEE CIS Fraud Detection.</a:t>
+            </a:r>
+          </a:p>
+        </p:txBody>
+      </p:sp>
+      <p:sp>
+        <p:nvSpPr>
+          <p:cNvPr id="4" name="Slide Number Placeholder 3"/>
+          <p:cNvSpPr>
+            <a:spLocks noGrp="1"/>
+          </p:cNvSpPr>
+          <p:nvPr>
+            <p:ph type="sldNum" sz="quarter" idx="5"/>
+          </p:nvPr>
+        </p:nvSpPr>
+        <p:spPr/>
+        <p:txBody>
+          <a:bodyPr/>
+          <a:lstStyle/>
+          <a:p>
+            <a:fld id="{683DEAE4-5159-4BA0-BE89-A5340C0D6C3B}" type="slidenum">
+              <a:rPr lang="zh-CN" altLang="en-US" smtClean="0"/>
+              <a:t>1</a:t>
+            </a:fld>
+            <a:endParaRPr lang="zh-CN" altLang="en-US"/>
+          </a:p>
+        </p:txBody>
+      </p:sp>
+    </p:spTree>
+    <p:extLst>
+      <p:ext uri="{BB962C8B-B14F-4D97-AF65-F5344CB8AC3E}">
+        <p14:creationId xmlns:p14="http://schemas.microsoft.com/office/powerpoint/2010/main" val="3134713445"/>
+      </p:ext>
+    </p:extLst>
+  </p:cSld>
+  <p:clrMapOvr>
+    <a:masterClrMapping/>
+  </p:clrMapOvr>
+</p:notes>
+</file>
+
+<file path=ppt/notesSlides/notesSlide2.xml><?xml version="1.0" encoding="utf-8"?>
+<p:notes xmlns:a="http://schemas.openxmlformats.org/drawingml/2006/main" xmlns:r="http://schemas.openxmlformats.org/officeDocument/2006/relationships" xmlns:p="http://schemas.openxmlformats.org/presentationml/2006/main">
+  <p:cSld>
+    <p:spTree>
+      <p:nvGrpSpPr>
+        <p:cNvPr id="1" name=""/>
+        <p:cNvGrpSpPr/>
+        <p:nvPr/>
+      </p:nvGrpSpPr>
+      <p:grpSpPr>
+        <a:xfrm>
+          <a:off x="0" y="0"/>
+          <a:ext cx="0" cy="0"/>
+          <a:chOff x="0" y="0"/>
+          <a:chExt cx="0" cy="0"/>
+        </a:xfrm>
+      </p:grpSpPr>
+      <p:sp>
+        <p:nvSpPr>
+          <p:cNvPr id="2" name="Slide Image Placeholder 1"/>
+          <p:cNvSpPr>
+            <a:spLocks noGrp="1" noRot="1" noChangeAspect="1"/>
+          </p:cNvSpPr>
+          <p:nvPr>
+            <p:ph type="sldImg"/>
+          </p:nvPr>
+        </p:nvSpPr>
+        <p:spPr/>
+      </p:sp>
+      <p:sp>
+        <p:nvSpPr>
+          <p:cNvPr id="3" name="Notes Placeholder 2"/>
+          <p:cNvSpPr>
+            <a:spLocks noGrp="1"/>
+          </p:cNvSpPr>
+          <p:nvPr>
+            <p:ph type="body" idx="1"/>
+          </p:nvPr>
+        </p:nvSpPr>
+        <p:spPr/>
+        <p:txBody>
+          <a:bodyPr/>
+          <a:lstStyle/>
+          <a:p>
+            <a:r>
+              <a:rPr lang="en-US" dirty="0"/>
+              <a:t>Going over table of contents: One, problem statement, two, objective, three, methodology, four, conclusion, and five future work</a:t>
+            </a:r>
+          </a:p>
+        </p:txBody>
+      </p:sp>
+      <p:sp>
+        <p:nvSpPr>
+          <p:cNvPr id="4" name="Slide Number Placeholder 3"/>
+          <p:cNvSpPr>
+            <a:spLocks noGrp="1"/>
+          </p:cNvSpPr>
+          <p:nvPr>
+            <p:ph type="sldNum" sz="quarter" idx="5"/>
+          </p:nvPr>
+        </p:nvSpPr>
+        <p:spPr/>
+        <p:txBody>
+          <a:bodyPr/>
+          <a:lstStyle/>
+          <a:p>
+            <a:fld id="{683DEAE4-5159-4BA0-BE89-A5340C0D6C3B}" type="slidenum">
+              <a:rPr lang="zh-CN" altLang="en-US" smtClean="0"/>
+              <a:t>2</a:t>
+            </a:fld>
+            <a:endParaRPr lang="zh-CN" altLang="en-US"/>
+          </a:p>
+        </p:txBody>
+      </p:sp>
+    </p:spTree>
+    <p:extLst>
+      <p:ext uri="{BB962C8B-B14F-4D97-AF65-F5344CB8AC3E}">
+        <p14:creationId xmlns:p14="http://schemas.microsoft.com/office/powerpoint/2010/main" val="4145464246"/>
+      </p:ext>
+    </p:extLst>
+  </p:cSld>
+  <p:clrMapOvr>
+    <a:masterClrMapping/>
+  </p:clrMapOvr>
+</p:notes>
+</file>
+
+<file path=ppt/notesSlides/notesSlide3.xml><?xml version="1.0" encoding="utf-8"?>
+<p:notes xmlns:a="http://schemas.openxmlformats.org/drawingml/2006/main" xmlns:r="http://schemas.openxmlformats.org/officeDocument/2006/relationships" xmlns:p="http://schemas.openxmlformats.org/presentationml/2006/main">
+  <p:cSld>
+    <p:spTree>
+      <p:nvGrpSpPr>
+        <p:cNvPr id="1" name=""/>
+        <p:cNvGrpSpPr/>
+        <p:nvPr/>
+      </p:nvGrpSpPr>
+      <p:grpSpPr>
+        <a:xfrm>
+          <a:off x="0" y="0"/>
+          <a:ext cx="0" cy="0"/>
+          <a:chOff x="0" y="0"/>
+          <a:chExt cx="0" cy="0"/>
+        </a:xfrm>
+      </p:grpSpPr>
+      <p:sp>
+        <p:nvSpPr>
+          <p:cNvPr id="2" name="Slide Image Placeholder 1"/>
+          <p:cNvSpPr>
+            <a:spLocks noGrp="1" noRot="1" noChangeAspect="1"/>
+          </p:cNvSpPr>
+          <p:nvPr>
+            <p:ph type="sldImg"/>
+          </p:nvPr>
+        </p:nvSpPr>
+        <p:spPr/>
+      </p:sp>
+      <p:sp>
+        <p:nvSpPr>
+          <p:cNvPr id="3" name="Notes Placeholder 2"/>
+          <p:cNvSpPr>
+            <a:spLocks noGrp="1"/>
+          </p:cNvSpPr>
+          <p:nvPr>
+            <p:ph type="body" idx="1"/>
+          </p:nvPr>
+        </p:nvSpPr>
+        <p:spPr/>
+        <p:txBody>
+          <a:bodyPr/>
+          <a:lstStyle/>
+          <a:p>
+            <a:endParaRPr lang="en-US" dirty="0"/>
+          </a:p>
+        </p:txBody>
+      </p:sp>
+      <p:sp>
+        <p:nvSpPr>
+          <p:cNvPr id="4" name="Slide Number Placeholder 3"/>
+          <p:cNvSpPr>
+            <a:spLocks noGrp="1"/>
+          </p:cNvSpPr>
+          <p:nvPr>
+            <p:ph type="sldNum" sz="quarter" idx="5"/>
+          </p:nvPr>
+        </p:nvSpPr>
+        <p:spPr/>
+        <p:txBody>
+          <a:bodyPr/>
+          <a:lstStyle/>
+          <a:p>
+            <a:fld id="{683DEAE4-5159-4BA0-BE89-A5340C0D6C3B}" type="slidenum">
+              <a:rPr lang="zh-CN" altLang="en-US" smtClean="0"/>
+              <a:t>3</a:t>
+            </a:fld>
+            <a:endParaRPr lang="zh-CN" altLang="en-US"/>
+          </a:p>
+        </p:txBody>
+      </p:sp>
+    </p:spTree>
+    <p:extLst>
+      <p:ext uri="{BB962C8B-B14F-4D97-AF65-F5344CB8AC3E}">
+        <p14:creationId xmlns:p14="http://schemas.microsoft.com/office/powerpoint/2010/main" val="205363443"/>
+      </p:ext>
+    </p:extLst>
+  </p:cSld>
+  <p:clrMapOvr>
+    <a:masterClrMapping/>
+  </p:clrMapOvr>
+</p:notes>
+</file>
+
+<file path=ppt/notesSlides/notesSlide4.xml><?xml version="1.0" encoding="utf-8"?>
+<p:notes xmlns:a="http://schemas.openxmlformats.org/drawingml/2006/main" xmlns:r="http://schemas.openxmlformats.org/officeDocument/2006/relationships" xmlns:p="http://schemas.openxmlformats.org/presentationml/2006/main">
+  <p:cSld>
+    <p:spTree>
+      <p:nvGrpSpPr>
+        <p:cNvPr id="1" name=""/>
+        <p:cNvGrpSpPr/>
+        <p:nvPr/>
+      </p:nvGrpSpPr>
+      <p:grpSpPr>
+        <a:xfrm>
+          <a:off x="0" y="0"/>
+          <a:ext cx="0" cy="0"/>
+          <a:chOff x="0" y="0"/>
+          <a:chExt cx="0" cy="0"/>
+        </a:xfrm>
+      </p:grpSpPr>
+      <p:sp>
+        <p:nvSpPr>
+          <p:cNvPr id="2" name="Slide Image Placeholder 1"/>
+          <p:cNvSpPr>
+            <a:spLocks noGrp="1" noRot="1" noChangeAspect="1"/>
+          </p:cNvSpPr>
+          <p:nvPr>
+            <p:ph type="sldImg"/>
+          </p:nvPr>
+        </p:nvSpPr>
+        <p:spPr/>
+      </p:sp>
+      <p:sp>
+        <p:nvSpPr>
+          <p:cNvPr id="3" name="Notes Placeholder 2"/>
+          <p:cNvSpPr>
+            <a:spLocks noGrp="1"/>
+          </p:cNvSpPr>
+          <p:nvPr>
+            <p:ph type="body" idx="1"/>
+          </p:nvPr>
+        </p:nvSpPr>
+        <p:spPr/>
+        <p:txBody>
+          <a:bodyPr/>
+          <a:lstStyle/>
+          <a:p>
+            <a:r>
+              <a:rPr lang="en-US" dirty="0"/>
+              <a:t>I used three different gradient boosting methods to solve the binary clarification problem. If you have any questions about these methods, I can go over with you after the presentation with my </a:t>
+            </a:r>
+            <a:r>
+              <a:rPr lang="en-US" dirty="0" err="1"/>
+              <a:t>jupyter</a:t>
+            </a:r>
+            <a:r>
+              <a:rPr lang="en-US" dirty="0"/>
+              <a:t> notebook in details.</a:t>
+            </a:r>
+          </a:p>
+        </p:txBody>
+      </p:sp>
+      <p:sp>
+        <p:nvSpPr>
+          <p:cNvPr id="4" name="Slide Number Placeholder 3"/>
+          <p:cNvSpPr>
+            <a:spLocks noGrp="1"/>
+          </p:cNvSpPr>
+          <p:nvPr>
+            <p:ph type="sldNum" sz="quarter" idx="5"/>
+          </p:nvPr>
+        </p:nvSpPr>
+        <p:spPr/>
+        <p:txBody>
+          <a:bodyPr/>
+          <a:lstStyle/>
+          <a:p>
+            <a:fld id="{683DEAE4-5159-4BA0-BE89-A5340C0D6C3B}" type="slidenum">
+              <a:rPr lang="zh-CN" altLang="en-US" smtClean="0"/>
+              <a:t>5</a:t>
+            </a:fld>
+            <a:endParaRPr lang="zh-CN" altLang="en-US"/>
+          </a:p>
+        </p:txBody>
+      </p:sp>
+    </p:spTree>
+    <p:extLst>
+      <p:ext uri="{BB962C8B-B14F-4D97-AF65-F5344CB8AC3E}">
+        <p14:creationId xmlns:p14="http://schemas.microsoft.com/office/powerpoint/2010/main" val="3813409075"/>
+      </p:ext>
+    </p:extLst>
+  </p:cSld>
+  <p:clrMapOvr>
+    <a:masterClrMapping/>
+  </p:clrMapOvr>
+</p:notes>
+</file>
+
+<file path=ppt/notesSlides/notesSlide5.xml><?xml version="1.0" encoding="utf-8"?>
+<p:notes xmlns:a="http://schemas.openxmlformats.org/drawingml/2006/main" xmlns:r="http://schemas.openxmlformats.org/officeDocument/2006/relationships" xmlns:p="http://schemas.openxmlformats.org/presentationml/2006/main">
+  <p:cSld>
+    <p:spTree>
+      <p:nvGrpSpPr>
+        <p:cNvPr id="1" name=""/>
+        <p:cNvGrpSpPr/>
+        <p:nvPr/>
+      </p:nvGrpSpPr>
+      <p:grpSpPr>
+        <a:xfrm>
+          <a:off x="0" y="0"/>
+          <a:ext cx="0" cy="0"/>
+          <a:chOff x="0" y="0"/>
+          <a:chExt cx="0" cy="0"/>
+        </a:xfrm>
+      </p:grpSpPr>
+      <p:sp>
+        <p:nvSpPr>
+          <p:cNvPr id="2" name="Slide Image Placeholder 1"/>
+          <p:cNvSpPr>
+            <a:spLocks noGrp="1" noRot="1" noChangeAspect="1"/>
+          </p:cNvSpPr>
+          <p:nvPr>
+            <p:ph type="sldImg"/>
+          </p:nvPr>
+        </p:nvSpPr>
+        <p:spPr/>
+      </p:sp>
+      <p:sp>
+        <p:nvSpPr>
+          <p:cNvPr id="3" name="Notes Placeholder 2"/>
+          <p:cNvSpPr>
+            <a:spLocks noGrp="1"/>
+          </p:cNvSpPr>
+          <p:nvPr>
+            <p:ph type="body" idx="1"/>
+          </p:nvPr>
+        </p:nvSpPr>
+        <p:spPr/>
+        <p:txBody>
+          <a:bodyPr/>
+          <a:lstStyle/>
+          <a:p>
+            <a:r>
+              <a:rPr lang="en-US" dirty="0"/>
+              <a:t>As a result, I could achieve 94% with </a:t>
+            </a:r>
+            <a:r>
+              <a:rPr lang="en-US" dirty="0" err="1"/>
+              <a:t>catboost</a:t>
+            </a:r>
+            <a:r>
+              <a:rPr lang="en-US" dirty="0"/>
+              <a:t> method and the other two results were very close to each other around 84%.</a:t>
+            </a:r>
+          </a:p>
+        </p:txBody>
+      </p:sp>
+      <p:sp>
+        <p:nvSpPr>
+          <p:cNvPr id="4" name="Slide Number Placeholder 3"/>
+          <p:cNvSpPr>
+            <a:spLocks noGrp="1"/>
+          </p:cNvSpPr>
+          <p:nvPr>
+            <p:ph type="sldNum" sz="quarter" idx="5"/>
+          </p:nvPr>
+        </p:nvSpPr>
+        <p:spPr/>
+        <p:txBody>
+          <a:bodyPr/>
+          <a:lstStyle/>
+          <a:p>
+            <a:fld id="{683DEAE4-5159-4BA0-BE89-A5340C0D6C3B}" type="slidenum">
+              <a:rPr lang="zh-CN" altLang="en-US" smtClean="0"/>
+              <a:t>6</a:t>
+            </a:fld>
+            <a:endParaRPr lang="zh-CN" altLang="en-US"/>
+          </a:p>
+        </p:txBody>
+      </p:sp>
+    </p:spTree>
+    <p:extLst>
+      <p:ext uri="{BB962C8B-B14F-4D97-AF65-F5344CB8AC3E}">
+        <p14:creationId xmlns:p14="http://schemas.microsoft.com/office/powerpoint/2010/main" val="2018476472"/>
+      </p:ext>
+    </p:extLst>
+  </p:cSld>
+  <p:clrMapOvr>
+    <a:masterClrMapping/>
+  </p:clrMapOvr>
+</p:notes>
+</file>
+
+<file path=ppt/notesSlides/notesSlide6.xml><?xml version="1.0" encoding="utf-8"?>
+<p:notes xmlns:a="http://schemas.openxmlformats.org/drawingml/2006/main" xmlns:r="http://schemas.openxmlformats.org/officeDocument/2006/relationships" xmlns:p="http://schemas.openxmlformats.org/presentationml/2006/main">
+  <p:cSld>
+    <p:spTree>
+      <p:nvGrpSpPr>
+        <p:cNvPr id="1" name=""/>
+        <p:cNvGrpSpPr/>
+        <p:nvPr/>
+      </p:nvGrpSpPr>
+      <p:grpSpPr>
+        <a:xfrm>
+          <a:off x="0" y="0"/>
+          <a:ext cx="0" cy="0"/>
+          <a:chOff x="0" y="0"/>
+          <a:chExt cx="0" cy="0"/>
+        </a:xfrm>
+      </p:grpSpPr>
+      <p:sp>
+        <p:nvSpPr>
+          <p:cNvPr id="2" name="Slide Image Placeholder 1"/>
+          <p:cNvSpPr>
+            <a:spLocks noGrp="1" noRot="1" noChangeAspect="1"/>
+          </p:cNvSpPr>
+          <p:nvPr>
+            <p:ph type="sldImg"/>
+          </p:nvPr>
+        </p:nvSpPr>
+        <p:spPr/>
+      </p:sp>
+      <p:sp>
+        <p:nvSpPr>
+          <p:cNvPr id="3" name="Notes Placeholder 2"/>
+          <p:cNvSpPr>
+            <a:spLocks noGrp="1"/>
+          </p:cNvSpPr>
+          <p:nvPr>
+            <p:ph type="body" idx="1"/>
+          </p:nvPr>
+        </p:nvSpPr>
+        <p:spPr/>
+        <p:txBody>
+          <a:bodyPr/>
+          <a:lstStyle/>
+          <a:p>
+            <a:r>
+              <a:rPr lang="en-US" dirty="0"/>
+              <a:t>These are feature importance from each model from left, cat boost, Extreme gradient Boost, and light gradient boost. Each machine learning method had slightly different weights for each features.</a:t>
+            </a:r>
+          </a:p>
+        </p:txBody>
+      </p:sp>
+      <p:sp>
+        <p:nvSpPr>
+          <p:cNvPr id="4" name="Slide Number Placeholder 3"/>
+          <p:cNvSpPr>
+            <a:spLocks noGrp="1"/>
+          </p:cNvSpPr>
+          <p:nvPr>
+            <p:ph type="sldNum" sz="quarter" idx="5"/>
+          </p:nvPr>
+        </p:nvSpPr>
+        <p:spPr/>
+        <p:txBody>
+          <a:bodyPr/>
+          <a:lstStyle/>
+          <a:p>
+            <a:fld id="{683DEAE4-5159-4BA0-BE89-A5340C0D6C3B}" type="slidenum">
+              <a:rPr lang="zh-CN" altLang="en-US" smtClean="0"/>
+              <a:t>7</a:t>
+            </a:fld>
+            <a:endParaRPr lang="zh-CN" altLang="en-US"/>
+          </a:p>
+        </p:txBody>
+      </p:sp>
+    </p:spTree>
+    <p:extLst>
+      <p:ext uri="{BB962C8B-B14F-4D97-AF65-F5344CB8AC3E}">
+        <p14:creationId xmlns:p14="http://schemas.microsoft.com/office/powerpoint/2010/main" val="1095211996"/>
+      </p:ext>
+    </p:extLst>
+  </p:cSld>
+  <p:clrMapOvr>
+    <a:masterClrMapping/>
+  </p:clrMapOvr>
+</p:notes>
+</file>
+
+<file path=ppt/notesSlides/notesSlide7.xml><?xml version="1.0" encoding="utf-8"?>
+<p:notes xmlns:a="http://schemas.openxmlformats.org/drawingml/2006/main" xmlns:r="http://schemas.openxmlformats.org/officeDocument/2006/relationships" xmlns:p="http://schemas.openxmlformats.org/presentationml/2006/main">
+  <p:cSld>
+    <p:spTree>
+      <p:nvGrpSpPr>
+        <p:cNvPr id="1" name=""/>
+        <p:cNvGrpSpPr/>
+        <p:nvPr/>
+      </p:nvGrpSpPr>
+      <p:grpSpPr>
+        <a:xfrm>
+          <a:off x="0" y="0"/>
+          <a:ext cx="0" cy="0"/>
+          <a:chOff x="0" y="0"/>
+          <a:chExt cx="0" cy="0"/>
+        </a:xfrm>
+      </p:grpSpPr>
+      <p:sp>
+        <p:nvSpPr>
+          <p:cNvPr id="2" name="Slide Image Placeholder 1"/>
+          <p:cNvSpPr>
+            <a:spLocks noGrp="1" noRot="1" noChangeAspect="1"/>
+          </p:cNvSpPr>
+          <p:nvPr>
+            <p:ph type="sldImg"/>
+          </p:nvPr>
+        </p:nvSpPr>
+        <p:spPr/>
+      </p:sp>
+      <p:sp>
+        <p:nvSpPr>
+          <p:cNvPr id="3" name="Notes Placeholder 2"/>
+          <p:cNvSpPr>
+            <a:spLocks noGrp="1"/>
+          </p:cNvSpPr>
+          <p:nvPr>
+            <p:ph type="body" idx="1"/>
+          </p:nvPr>
+        </p:nvSpPr>
+        <p:spPr/>
+        <p:txBody>
+          <a:bodyPr/>
+          <a:lstStyle/>
+          <a:p>
+            <a:r>
+              <a:rPr lang="en-US" dirty="0"/>
+              <a:t>As a conclusion, I got 94% accuracy which is pretty good result. But, the model was built on relatively small portion of data compare to 103 trillion annual card transactions. Machine learning model needs to be updated constantly to catch up with new fraudulent methods and scams. I recommend continual learning process for the machine learning program. The process would be the same as developing regular data science project but it needs to be done over every cycle of time.</a:t>
+            </a:r>
+          </a:p>
+        </p:txBody>
+      </p:sp>
+      <p:sp>
+        <p:nvSpPr>
+          <p:cNvPr id="4" name="Slide Number Placeholder 3"/>
+          <p:cNvSpPr>
+            <a:spLocks noGrp="1"/>
+          </p:cNvSpPr>
+          <p:nvPr>
+            <p:ph type="sldNum" sz="quarter" idx="5"/>
+          </p:nvPr>
+        </p:nvSpPr>
+        <p:spPr/>
+        <p:txBody>
+          <a:bodyPr/>
+          <a:lstStyle/>
+          <a:p>
+            <a:fld id="{683DEAE4-5159-4BA0-BE89-A5340C0D6C3B}" type="slidenum">
+              <a:rPr lang="zh-CN" altLang="en-US" smtClean="0"/>
+              <a:t>8</a:t>
+            </a:fld>
+            <a:endParaRPr lang="zh-CN" altLang="en-US"/>
+          </a:p>
+        </p:txBody>
+      </p:sp>
+    </p:spTree>
+    <p:extLst>
+      <p:ext uri="{BB962C8B-B14F-4D97-AF65-F5344CB8AC3E}">
+        <p14:creationId xmlns:p14="http://schemas.microsoft.com/office/powerpoint/2010/main" val="2981400622"/>
+      </p:ext>
+    </p:extLst>
+  </p:cSld>
+  <p:clrMapOvr>
+    <a:masterClrMapping/>
+  </p:clrMapOvr>
+</p:notes>
+</file>
+
+<file path=ppt/notesSlides/notesSlide8.xml><?xml version="1.0" encoding="utf-8"?>
+<p:notes xmlns:a="http://schemas.openxmlformats.org/drawingml/2006/main" xmlns:r="http://schemas.openxmlformats.org/officeDocument/2006/relationships" xmlns:p="http://schemas.openxmlformats.org/presentationml/2006/main">
+  <p:cSld>
+    <p:spTree>
+      <p:nvGrpSpPr>
+        <p:cNvPr id="1" name=""/>
+        <p:cNvGrpSpPr/>
+        <p:nvPr/>
+      </p:nvGrpSpPr>
+      <p:grpSpPr>
+        <a:xfrm>
+          <a:off x="0" y="0"/>
+          <a:ext cx="0" cy="0"/>
+          <a:chOff x="0" y="0"/>
+          <a:chExt cx="0" cy="0"/>
+        </a:xfrm>
+      </p:grpSpPr>
+      <p:sp>
+        <p:nvSpPr>
+          <p:cNvPr id="2" name="Slide Image Placeholder 1"/>
+          <p:cNvSpPr>
+            <a:spLocks noGrp="1" noRot="1" noChangeAspect="1"/>
+          </p:cNvSpPr>
+          <p:nvPr>
+            <p:ph type="sldImg"/>
+          </p:nvPr>
+        </p:nvSpPr>
+        <p:spPr/>
+      </p:sp>
+      <p:sp>
+        <p:nvSpPr>
+          <p:cNvPr id="3" name="Notes Placeholder 2"/>
+          <p:cNvSpPr>
+            <a:spLocks noGrp="1"/>
+          </p:cNvSpPr>
+          <p:nvPr>
+            <p:ph type="body" idx="1"/>
+          </p:nvPr>
+        </p:nvSpPr>
+        <p:spPr/>
+        <p:txBody>
+          <a:bodyPr/>
+          <a:lstStyle/>
+          <a:p>
+            <a:r>
+              <a:rPr lang="en-US" dirty="0"/>
+              <a:t>For future works, I would like to develop deep learning, unsupervised machine learning model for the method. I also would like to minimize false positives. False positives can be real problem for the business who’s trying to secure the customers and the sales. Minimizing false positive is very important for fraudulent detection programs. I would like to explore ways of updating the machine learning model with real time data.</a:t>
+            </a:r>
+          </a:p>
+        </p:txBody>
+      </p:sp>
+      <p:sp>
+        <p:nvSpPr>
+          <p:cNvPr id="4" name="Slide Number Placeholder 3"/>
+          <p:cNvSpPr>
+            <a:spLocks noGrp="1"/>
+          </p:cNvSpPr>
+          <p:nvPr>
+            <p:ph type="sldNum" sz="quarter" idx="5"/>
+          </p:nvPr>
+        </p:nvSpPr>
+        <p:spPr/>
+        <p:txBody>
+          <a:bodyPr/>
+          <a:lstStyle/>
+          <a:p>
+            <a:fld id="{683DEAE4-5159-4BA0-BE89-A5340C0D6C3B}" type="slidenum">
+              <a:rPr lang="zh-CN" altLang="en-US" smtClean="0"/>
+              <a:t>9</a:t>
+            </a:fld>
+            <a:endParaRPr lang="zh-CN" altLang="en-US"/>
+          </a:p>
+        </p:txBody>
+      </p:sp>
+    </p:spTree>
+    <p:extLst>
+      <p:ext uri="{BB962C8B-B14F-4D97-AF65-F5344CB8AC3E}">
+        <p14:creationId xmlns:p14="http://schemas.microsoft.com/office/powerpoint/2010/main" val="956697732"/>
+      </p:ext>
+    </p:extLst>
+  </p:cSld>
+  <p:clrMapOvr>
+    <a:masterClrMapping/>
+  </p:clrMapOvr>
+</p:notes>
+</file>
+
+<file path=ppt/notesSlides/notesSlide9.xml><?xml version="1.0" encoding="utf-8"?>
+<p:notes xmlns:a="http://schemas.openxmlformats.org/drawingml/2006/main" xmlns:r="http://schemas.openxmlformats.org/officeDocument/2006/relationships" xmlns:p="http://schemas.openxmlformats.org/presentationml/2006/main">
+  <p:cSld>
+    <p:spTree>
+      <p:nvGrpSpPr>
+        <p:cNvPr id="1" name=""/>
+        <p:cNvGrpSpPr/>
+        <p:nvPr/>
+      </p:nvGrpSpPr>
+      <p:grpSpPr>
+        <a:xfrm>
+          <a:off x="0" y="0"/>
+          <a:ext cx="0" cy="0"/>
+          <a:chOff x="0" y="0"/>
+          <a:chExt cx="0" cy="0"/>
+        </a:xfrm>
+      </p:grpSpPr>
+      <p:sp>
+        <p:nvSpPr>
+          <p:cNvPr id="2" name="Slide Image Placeholder 1"/>
+          <p:cNvSpPr>
+            <a:spLocks noGrp="1" noRot="1" noChangeAspect="1"/>
+          </p:cNvSpPr>
+          <p:nvPr>
+            <p:ph type="sldImg"/>
+          </p:nvPr>
+        </p:nvSpPr>
+        <p:spPr/>
+      </p:sp>
+      <p:sp>
+        <p:nvSpPr>
+          <p:cNvPr id="3" name="Notes Placeholder 2"/>
+          <p:cNvSpPr>
+            <a:spLocks noGrp="1"/>
+          </p:cNvSpPr>
+          <p:nvPr>
+            <p:ph type="body" idx="1"/>
+          </p:nvPr>
+        </p:nvSpPr>
+        <p:spPr/>
+        <p:txBody>
+          <a:bodyPr/>
+          <a:lstStyle/>
+          <a:p>
+            <a:endParaRPr lang="en-US" dirty="0"/>
+          </a:p>
+        </p:txBody>
+      </p:sp>
+      <p:sp>
+        <p:nvSpPr>
+          <p:cNvPr id="4" name="Slide Number Placeholder 3"/>
+          <p:cNvSpPr>
+            <a:spLocks noGrp="1"/>
+          </p:cNvSpPr>
+          <p:nvPr>
+            <p:ph type="sldNum" sz="quarter" idx="5"/>
+          </p:nvPr>
+        </p:nvSpPr>
+        <p:spPr/>
+        <p:txBody>
+          <a:bodyPr/>
+          <a:lstStyle/>
+          <a:p>
+            <a:fld id="{683DEAE4-5159-4BA0-BE89-A5340C0D6C3B}" type="slidenum">
+              <a:rPr lang="zh-CN" altLang="en-US" smtClean="0"/>
+              <a:t>11</a:t>
+            </a:fld>
+            <a:endParaRPr lang="zh-CN" altLang="en-US"/>
+          </a:p>
+        </p:txBody>
+      </p:sp>
+    </p:spTree>
+    <p:extLst>
+      <p:ext uri="{BB962C8B-B14F-4D97-AF65-F5344CB8AC3E}">
+        <p14:creationId xmlns:p14="http://schemas.microsoft.com/office/powerpoint/2010/main" val="71101825"/>
+      </p:ext>
+    </p:extLst>
+  </p:cSld>
+  <p:clrMapOvr>
+    <a:masterClrMapping/>
+  </p:clrMapOvr>
+</p:notes>
+</file>
+
 <file path=ppt/slideLayouts/slideLayout1.xml><?xml version="1.0" encoding="utf-8"?>
 <p:sldLayout xmlns:a="http://schemas.openxmlformats.org/drawingml/2006/main" xmlns:r="http://schemas.openxmlformats.org/officeDocument/2006/relationships" xmlns:p="http://schemas.openxmlformats.org/presentationml/2006/main" type="title" preserve="1">
   <p:cSld name="标题幻灯片">
@@ -1619,7 +2420,7 @@
           <a:p>
             <a:fld id="{9CE5B826-6809-49B3-9B4B-177D412235B0}" type="datetimeFigureOut">
               <a:rPr lang="zh-CN" altLang="en-US" smtClean="0"/>
-              <a:t>2020/10/11</a:t>
+              <a:t>2020/10/12</a:t>
             </a:fld>
             <a:endParaRPr lang="zh-CN" altLang="en-US"/>
           </a:p>
@@ -1874,7 +2675,7 @@
           <a:p>
             <a:fld id="{9CE5B826-6809-49B3-9B4B-177D412235B0}" type="datetimeFigureOut">
               <a:rPr lang="zh-CN" altLang="en-US" smtClean="0"/>
-              <a:t>2020/10/11</a:t>
+              <a:t>2020/10/12</a:t>
             </a:fld>
             <a:endParaRPr lang="zh-CN" altLang="en-US"/>
           </a:p>
@@ -2045,7 +2846,7 @@
           <a:p>
             <a:fld id="{9CE5B826-6809-49B3-9B4B-177D412235B0}" type="datetimeFigureOut">
               <a:rPr lang="zh-CN" altLang="en-US" smtClean="0"/>
-              <a:t>2020/10/11</a:t>
+              <a:t>2020/10/12</a:t>
             </a:fld>
             <a:endParaRPr lang="zh-CN" altLang="en-US"/>
           </a:p>
@@ -2226,7 +3027,7 @@
           <a:p>
             <a:fld id="{9CE5B826-6809-49B3-9B4B-177D412235B0}" type="datetimeFigureOut">
               <a:rPr lang="zh-CN" altLang="en-US" smtClean="0"/>
-              <a:t>2020/10/11</a:t>
+              <a:t>2020/10/12</a:t>
             </a:fld>
             <a:endParaRPr lang="zh-CN" altLang="en-US"/>
           </a:p>
@@ -2397,7 +3198,7 @@
           <a:p>
             <a:fld id="{9CE5B826-6809-49B3-9B4B-177D412235B0}" type="datetimeFigureOut">
               <a:rPr lang="zh-CN" altLang="en-US" smtClean="0"/>
-              <a:t>2020/10/11</a:t>
+              <a:t>2020/10/12</a:t>
             </a:fld>
             <a:endParaRPr lang="zh-CN" altLang="en-US"/>
           </a:p>
@@ -2517,7 +3318,7 @@
           <a:p>
             <a:fld id="{9CE5B826-6809-49B3-9B4B-177D412235B0}" type="datetimeFigureOut">
               <a:rPr lang="zh-CN" altLang="en-US" smtClean="0"/>
-              <a:t>2020/10/11</a:t>
+              <a:t>2020/10/12</a:t>
             </a:fld>
             <a:endParaRPr lang="zh-CN" altLang="en-US"/>
           </a:p>
@@ -3244,7 +4045,7 @@
           <a:p>
             <a:fld id="{9CE5B826-6809-49B3-9B4B-177D412235B0}" type="datetimeFigureOut">
               <a:rPr lang="zh-CN" altLang="en-US" smtClean="0"/>
-              <a:t>2020/10/11</a:t>
+              <a:t>2020/10/12</a:t>
             </a:fld>
             <a:endParaRPr lang="zh-CN" altLang="en-US"/>
           </a:p>
@@ -3476,7 +4277,7 @@
           <a:p>
             <a:fld id="{9CE5B826-6809-49B3-9B4B-177D412235B0}" type="datetimeFigureOut">
               <a:rPr lang="zh-CN" altLang="en-US" smtClean="0"/>
-              <a:t>2020/10/11</a:t>
+              <a:t>2020/10/12</a:t>
             </a:fld>
             <a:endParaRPr lang="zh-CN" altLang="en-US"/>
           </a:p>
@@ -3843,7 +4644,7 @@
           <a:p>
             <a:fld id="{9CE5B826-6809-49B3-9B4B-177D412235B0}" type="datetimeFigureOut">
               <a:rPr lang="zh-CN" altLang="en-US" smtClean="0"/>
-              <a:t>2020/10/11</a:t>
+              <a:t>2020/10/12</a:t>
             </a:fld>
             <a:endParaRPr lang="zh-CN" altLang="en-US"/>
           </a:p>
@@ -3963,7 +4764,7 @@
           <a:p>
             <a:fld id="{9CE5B826-6809-49B3-9B4B-177D412235B0}" type="datetimeFigureOut">
               <a:rPr lang="zh-CN" altLang="en-US" smtClean="0"/>
-              <a:t>2020/10/11</a:t>
+              <a:t>2020/10/12</a:t>
             </a:fld>
             <a:endParaRPr lang="zh-CN" altLang="en-US"/>
           </a:p>
@@ -4061,7 +4862,7 @@
           <a:p>
             <a:fld id="{9CE5B826-6809-49B3-9B4B-177D412235B0}" type="datetimeFigureOut">
               <a:rPr lang="zh-CN" altLang="en-US" smtClean="0"/>
-              <a:t>2020/10/11</a:t>
+              <a:t>2020/10/12</a:t>
             </a:fld>
             <a:endParaRPr lang="zh-CN" altLang="en-US"/>
           </a:p>
@@ -4339,7 +5140,7 @@
           <a:p>
             <a:fld id="{9CE5B826-6809-49B3-9B4B-177D412235B0}" type="datetimeFigureOut">
               <a:rPr lang="zh-CN" altLang="en-US" smtClean="0"/>
-              <a:t>2020/10/11</a:t>
+              <a:t>2020/10/12</a:t>
             </a:fld>
             <a:endParaRPr lang="zh-CN" altLang="en-US"/>
           </a:p>
@@ -4553,7 +5354,7 @@
           <a:p>
             <a:fld id="{9CE5B826-6809-49B3-9B4B-177D412235B0}" type="datetimeFigureOut">
               <a:rPr lang="zh-CN" altLang="en-US" smtClean="0"/>
-              <a:t>2020/10/11</a:t>
+              <a:t>2020/10/12</a:t>
             </a:fld>
             <a:endParaRPr lang="zh-CN" altLang="en-US"/>
           </a:p>
@@ -4971,7 +5772,7 @@
           <p:nvPr/>
         </p:nvPicPr>
         <p:blipFill rotWithShape="1">
-          <a:blip r:embed="rId2" cstate="screen">
+          <a:blip r:embed="rId3" cstate="screen">
             <a:extLst>
               <a:ext uri="{28A0092B-C50C-407E-A947-70E740481C1C}">
                 <a14:useLocalDpi xmlns:a14="http://schemas.microsoft.com/office/drawing/2010/main"/>
@@ -7091,7 +7892,7 @@
           <p:nvPr/>
         </p:nvPicPr>
         <p:blipFill rotWithShape="1">
-          <a:blip r:embed="rId2" cstate="screen">
+          <a:blip r:embed="rId3" cstate="screen">
             <a:extLst>
               <a:ext uri="{28A0092B-C50C-407E-A947-70E740481C1C}">
                 <a14:useLocalDpi xmlns:a14="http://schemas.microsoft.com/office/drawing/2010/main"/>
@@ -7120,7 +7921,7 @@
         <p:spPr>
           <a:xfrm>
             <a:off x="1827601" y="3327400"/>
-            <a:ext cx="3371436" cy="769441"/>
+            <a:ext cx="3853940" cy="769441"/>
           </a:xfrm>
           <a:prstGeom prst="rect">
             <a:avLst/>
@@ -7146,7 +7947,7 @@
                   </a:outerShdw>
                 </a:effectLst>
               </a:rPr>
-              <a:t>THANK YOU</a:t>
+              <a:t>THANK YOU ! </a:t>
             </a:r>
             <a:endParaRPr lang="zh-CN" altLang="en-US" sz="4400" b="1" dirty="0">
               <a:solidFill>
@@ -7440,7 +8241,7 @@
                         <p:par>
                           <p:cTn id="13" fill="hold">
                             <p:stCondLst>
-                              <p:cond delay="1455"/>
+                              <p:cond delay="1520"/>
                             </p:stCondLst>
                             <p:childTnLst>
                               <p:par>
@@ -7484,7 +8285,7 @@
                         <p:par>
                           <p:cTn id="17" fill="hold">
                             <p:stCondLst>
-                              <p:cond delay="1955"/>
+                              <p:cond delay="2020"/>
                             </p:stCondLst>
                             <p:childTnLst>
                               <p:par>
@@ -7589,7 +8390,7 @@
           <p:nvPr/>
         </p:nvPicPr>
         <p:blipFill rotWithShape="1">
-          <a:blip r:embed="rId2" cstate="screen">
+          <a:blip r:embed="rId3" cstate="screen">
             <a:extLst>
               <a:ext uri="{28A0092B-C50C-407E-A947-70E740481C1C}">
                 <a14:useLocalDpi xmlns:a14="http://schemas.microsoft.com/office/drawing/2010/main"/>
@@ -7847,7 +8648,7 @@
           <p:nvPr/>
         </p:nvPicPr>
         <p:blipFill>
-          <a:blip r:embed="rId3">
+          <a:blip r:embed="rId4">
             <a:extLst>
               <a:ext uri="{28A0092B-C50C-407E-A947-70E740481C1C}">
                 <a14:useLocalDpi xmlns:a14="http://schemas.microsoft.com/office/drawing/2010/main" val="0"/>
@@ -7894,7 +8695,7 @@
           <p:nvPr/>
         </p:nvPicPr>
         <p:blipFill>
-          <a:blip r:embed="rId4">
+          <a:blip r:embed="rId5">
             <a:extLst>
               <a:ext uri="{28A0092B-C50C-407E-A947-70E740481C1C}">
                 <a14:useLocalDpi xmlns:a14="http://schemas.microsoft.com/office/drawing/2010/main" val="0"/>
@@ -8060,7 +8861,7 @@
           <p:nvPr/>
         </p:nvPicPr>
         <p:blipFill rotWithShape="1">
-          <a:blip r:embed="rId2" cstate="screen">
+          <a:blip r:embed="rId3" cstate="screen">
             <a:extLst>
               <a:ext uri="{28A0092B-C50C-407E-A947-70E740481C1C}">
                 <a14:useLocalDpi xmlns:a14="http://schemas.microsoft.com/office/drawing/2010/main"/>
@@ -8276,7 +9077,7 @@
                 <a:effectLst/>
                 <a:latin typeface="Arial" panose="020B0604020202020204" pitchFamily="34" charset="0"/>
               </a:rPr>
-              <a:t>Cases of Credit Card Fraud have increased every year in US.</a:t>
+              <a:t>Cases of Credit Card Fraud are increasing every year in the US.</a:t>
             </a:r>
           </a:p>
           <a:p>
@@ -8357,7 +9158,7 @@
           <p:nvPr/>
         </p:nvPicPr>
         <p:blipFill>
-          <a:blip r:embed="rId3" cstate="print">
+          <a:blip r:embed="rId4" cstate="print">
             <a:extLst>
               <a:ext uri="{28A0092B-C50C-407E-A947-70E740481C1C}">
                 <a14:useLocalDpi xmlns:a14="http://schemas.microsoft.com/office/drawing/2010/main" val="0"/>
@@ -8720,7 +9521,7 @@
             </a:pPr>
             <a:r>
               <a:rPr lang="en-US" sz="2400" dirty="0"/>
-              <a:t>Benchmarking machine learning models on large-scare dataset to predict fraudulent customers.</a:t>
+              <a:t>Benchmarking machine learning models on large scale dataset to predict fraudulent customers.</a:t>
             </a:r>
           </a:p>
           <a:p>
@@ -8761,8 +9562,8 @@
         </p:blipFill>
         <p:spPr bwMode="auto">
           <a:xfrm>
-            <a:off x="4444747" y="2036031"/>
-            <a:ext cx="4221271" cy="1947941"/>
+            <a:off x="5010412" y="2087464"/>
+            <a:ext cx="3801300" cy="1947941"/>
           </a:xfrm>
           <a:prstGeom prst="rect">
             <a:avLst/>
@@ -8913,7 +9714,7 @@
           <p:nvPr/>
         </p:nvPicPr>
         <p:blipFill rotWithShape="1">
-          <a:blip r:embed="rId2" cstate="screen">
+          <a:blip r:embed="rId3" cstate="screen">
             <a:extLst>
               <a:ext uri="{28A0092B-C50C-407E-A947-70E740481C1C}">
                 <a14:useLocalDpi xmlns:a14="http://schemas.microsoft.com/office/drawing/2010/main"/>
@@ -12365,7 +13166,7 @@
           <p:nvPr/>
         </p:nvPicPr>
         <p:blipFill rotWithShape="1">
-          <a:blip r:embed="rId2" cstate="screen">
+          <a:blip r:embed="rId3" cstate="screen">
             <a:extLst>
               <a:ext uri="{28A0092B-C50C-407E-A947-70E740481C1C}">
                 <a14:useLocalDpi xmlns:a14="http://schemas.microsoft.com/office/drawing/2010/main"/>
@@ -12975,7 +13776,7 @@
             </a:r>
             <a:r>
               <a:rPr lang="en-US" dirty="0"/>
-              <a:t>: 94.5%</a:t>
+              <a:t>: 94.9%</a:t>
             </a:r>
           </a:p>
           <a:p>
@@ -13024,7 +13825,7 @@
         </p:xfrm>
         <a:graphic>
           <a:graphicData uri="http://schemas.openxmlformats.org/drawingml/2006/chart">
-            <c:chart xmlns:c="http://schemas.openxmlformats.org/drawingml/2006/chart" xmlns:r="http://schemas.openxmlformats.org/officeDocument/2006/relationships" r:id="rId3"/>
+            <c:chart xmlns:c="http://schemas.openxmlformats.org/drawingml/2006/chart" xmlns:r="http://schemas.openxmlformats.org/officeDocument/2006/relationships" r:id="rId4"/>
           </a:graphicData>
         </a:graphic>
       </p:graphicFrame>
@@ -13574,7 +14375,7 @@
           <p:nvPr/>
         </p:nvPicPr>
         <p:blipFill rotWithShape="1">
-          <a:blip r:embed="rId2" cstate="screen">
+          <a:blip r:embed="rId3" cstate="screen">
             <a:extLst>
               <a:ext uri="{28A0092B-C50C-407E-A947-70E740481C1C}">
                 <a14:useLocalDpi xmlns:a14="http://schemas.microsoft.com/office/drawing/2010/main"/>
@@ -13751,7 +14552,7 @@
           <p:nvPr/>
         </p:nvPicPr>
         <p:blipFill>
-          <a:blip r:embed="rId3" cstate="print">
+          <a:blip r:embed="rId4" cstate="print">
             <a:extLst>
               <a:ext uri="{28A0092B-C50C-407E-A947-70E740481C1C}">
                 <a14:useLocalDpi xmlns:a14="http://schemas.microsoft.com/office/drawing/2010/main" val="0"/>
@@ -13798,7 +14599,7 @@
           <p:nvPr/>
         </p:nvPicPr>
         <p:blipFill>
-          <a:blip r:embed="rId4" cstate="print">
+          <a:blip r:embed="rId5" cstate="print">
             <a:extLst>
               <a:ext uri="{28A0092B-C50C-407E-A947-70E740481C1C}">
                 <a14:useLocalDpi xmlns:a14="http://schemas.microsoft.com/office/drawing/2010/main" val="0"/>
@@ -13845,7 +14646,7 @@
           <p:nvPr/>
         </p:nvPicPr>
         <p:blipFill>
-          <a:blip r:embed="rId5" cstate="print">
+          <a:blip r:embed="rId6" cstate="print">
             <a:extLst>
               <a:ext uri="{28A0092B-C50C-407E-A947-70E740481C1C}">
                 <a14:useLocalDpi xmlns:a14="http://schemas.microsoft.com/office/drawing/2010/main" val="0"/>
@@ -14050,7 +14851,7 @@
           <p:nvPr/>
         </p:nvPicPr>
         <p:blipFill rotWithShape="1">
-          <a:blip r:embed="rId2" cstate="screen">
+          <a:blip r:embed="rId3" cstate="screen">
             <a:extLst>
               <a:ext uri="{28A0092B-C50C-407E-A947-70E740481C1C}">
                 <a14:useLocalDpi xmlns:a14="http://schemas.microsoft.com/office/drawing/2010/main"/>
@@ -18852,7 +19653,7 @@
           <p:nvPr/>
         </p:nvPicPr>
         <p:blipFill rotWithShape="1">
-          <a:blip r:embed="rId2" cstate="screen">
+          <a:blip r:embed="rId3" cstate="screen">
             <a:extLst>
               <a:ext uri="{28A0092B-C50C-407E-A947-70E740481C1C}">
                 <a14:useLocalDpi xmlns:a14="http://schemas.microsoft.com/office/drawing/2010/main"/>
